--- a/ISR2022_Tutorial1.pptx
+++ b/ISR2022_Tutorial1.pptx
@@ -235,7 +235,7 @@
             <a:fld id="{CD72A38B-F9FA-4036-A084-652409E98F08}" type="datetimeFigureOut">
               <a:rPr lang="en-GB"/>
               <a:pPr/>
-              <a:t>04/09/2022</a:t>
+              <a:t>05/09/2022</a:t>
             </a:fld>
             <a:endParaRPr lang="en-GB" dirty="0"/>
           </a:p>
@@ -1534,7 +1534,7 @@
           <a:p>
             <a:fld id="{E18870EA-1C98-4DD0-9660-6D0E7FDD9A64}" type="datetime1">
               <a:rPr lang="en-GB" smtClean="0"/>
-              <a:t>04/09/2022</a:t>
+              <a:t>05/09/2022</a:t>
             </a:fld>
             <a:endParaRPr lang="en-GB" dirty="0"/>
           </a:p>
@@ -1662,7 +1662,7 @@
             <a:fld id="{F1A13B18-F5ED-4611-8DBB-F05123AFBA22}" type="datetimeFigureOut">
               <a:rPr lang="en-GB" smtClean="0"/>
               <a:pPr/>
-              <a:t>04/09/2022</a:t>
+              <a:t>05/09/2022</a:t>
             </a:fld>
             <a:endParaRPr lang="en-GB" dirty="0"/>
           </a:p>
@@ -2431,7 +2431,7 @@
             <a:fld id="{F1A13B18-F5ED-4611-8DBB-F05123AFBA22}" type="datetimeFigureOut">
               <a:rPr lang="en-GB" smtClean="0"/>
               <a:pPr/>
-              <a:t>04/09/2022</a:t>
+              <a:t>05/09/2022</a:t>
             </a:fld>
             <a:endParaRPr lang="en-GB" dirty="0"/>
           </a:p>
@@ -2851,7 +2851,7 @@
             <a:fld id="{F1A13B18-F5ED-4611-8DBB-F05123AFBA22}" type="datetimeFigureOut">
               <a:rPr lang="en-GB" smtClean="0"/>
               <a:pPr/>
-              <a:t>04/09/2022</a:t>
+              <a:t>05/09/2022</a:t>
             </a:fld>
             <a:endParaRPr lang="en-GB" dirty="0"/>
           </a:p>
@@ -2880,7 +2880,7 @@
           <a:p>
             <a:fld id="{4F5B7637-A22A-4D3C-B58B-9E4FB77688C9}" type="datetime1">
               <a:rPr lang="en-GB" smtClean="0"/>
-              <a:t>04/09/2022</a:t>
+              <a:t>05/09/2022</a:t>
             </a:fld>
             <a:endParaRPr lang="en-GB" dirty="0"/>
           </a:p>
@@ -3537,7 +3537,7 @@
           <a:p>
             <a:fld id="{2373C88E-FC89-49F7-9B85-3A1CF371F5CC}" type="datetime1">
               <a:rPr lang="en-GB" smtClean="0"/>
-              <a:t>04/09/2022</a:t>
+              <a:t>05/09/2022</a:t>
             </a:fld>
             <a:endParaRPr lang="en-GB" dirty="0"/>
           </a:p>
@@ -3665,7 +3665,7 @@
             <a:fld id="{F1A13B18-F5ED-4611-8DBB-F05123AFBA22}" type="datetimeFigureOut">
               <a:rPr lang="en-GB" smtClean="0"/>
               <a:pPr/>
-              <a:t>04/09/2022</a:t>
+              <a:t>05/09/2022</a:t>
             </a:fld>
             <a:endParaRPr lang="en-GB" dirty="0"/>
           </a:p>
@@ -4203,7 +4203,7 @@
           <a:p>
             <a:fld id="{7051481D-D2F2-4A27-8C65-B8635D906D78}" type="datetime1">
               <a:rPr lang="en-GB" smtClean="0"/>
-              <a:t>04/09/2022</a:t>
+              <a:t>05/09/2022</a:t>
             </a:fld>
             <a:endParaRPr lang="en-GB" dirty="0"/>
           </a:p>
@@ -4436,7 +4436,7 @@
             <a:fld id="{F1A13B18-F5ED-4611-8DBB-F05123AFBA22}" type="datetimeFigureOut">
               <a:rPr lang="en-GB" smtClean="0"/>
               <a:pPr/>
-              <a:t>04/09/2022</a:t>
+              <a:t>05/09/2022</a:t>
             </a:fld>
             <a:endParaRPr lang="en-GB" dirty="0"/>
           </a:p>
@@ -4465,7 +4465,7 @@
           <a:p>
             <a:fld id="{D2E35E21-A7FD-4E51-A9F3-C8BEC9A43323}" type="datetime1">
               <a:rPr lang="en-GB" smtClean="0"/>
-              <a:t>04/09/2022</a:t>
+              <a:t>05/09/2022</a:t>
             </a:fld>
             <a:endParaRPr lang="en-GB" dirty="0"/>
           </a:p>
@@ -4632,7 +4632,7 @@
           <a:p>
             <a:fld id="{F01AC1CE-CD25-45EF-8352-9548F118AA3F}" type="datetime1">
               <a:rPr lang="en-GB" smtClean="0"/>
-              <a:t>04/09/2022</a:t>
+              <a:t>05/09/2022</a:t>
             </a:fld>
             <a:endParaRPr lang="en-GB" dirty="0"/>
           </a:p>
@@ -4760,7 +4760,7 @@
             <a:fld id="{F1A13B18-F5ED-4611-8DBB-F05123AFBA22}" type="datetimeFigureOut">
               <a:rPr lang="en-GB" smtClean="0"/>
               <a:pPr/>
-              <a:t>04/09/2022</a:t>
+              <a:t>05/09/2022</a:t>
             </a:fld>
             <a:endParaRPr lang="en-GB" dirty="0"/>
           </a:p>
@@ -5456,7 +5456,7 @@
             <a:fld id="{F1A13B18-F5ED-4611-8DBB-F05123AFBA22}" type="datetimeFigureOut">
               <a:rPr lang="en-GB" smtClean="0"/>
               <a:pPr/>
-              <a:t>04/09/2022</a:t>
+              <a:t>05/09/2022</a:t>
             </a:fld>
             <a:endParaRPr lang="en-GB" dirty="0"/>
           </a:p>
@@ -5663,7 +5663,7 @@
           <a:p>
             <a:fld id="{3AC5BE7B-EEE7-49B7-9B54-4206C31799DB}" type="datetime1">
               <a:rPr lang="en-GB" smtClean="0"/>
-              <a:t>04/09/2022</a:t>
+              <a:t>05/09/2022</a:t>
             </a:fld>
             <a:endParaRPr lang="en-GB" dirty="0"/>
           </a:p>
@@ -5791,7 +5791,7 @@
             <a:fld id="{F1A13B18-F5ED-4611-8DBB-F05123AFBA22}" type="datetimeFigureOut">
               <a:rPr lang="en-GB" smtClean="0"/>
               <a:pPr/>
-              <a:t>04/09/2022</a:t>
+              <a:t>05/09/2022</a:t>
             </a:fld>
             <a:endParaRPr lang="en-GB" dirty="0"/>
           </a:p>
@@ -6050,7 +6050,7 @@
           <a:p>
             <a:fld id="{1AC97F69-19BA-4E64-9841-813F2473546B}" type="datetime1">
               <a:rPr lang="en-GB" smtClean="0"/>
-              <a:t>04/09/2022</a:t>
+              <a:t>05/09/2022</a:t>
             </a:fld>
             <a:endParaRPr lang="en-GB" dirty="0"/>
           </a:p>
@@ -6178,7 +6178,7 @@
             <a:fld id="{F1A13B18-F5ED-4611-8DBB-F05123AFBA22}" type="datetimeFigureOut">
               <a:rPr lang="en-GB" smtClean="0"/>
               <a:pPr/>
-              <a:t>04/09/2022</a:t>
+              <a:t>05/09/2022</a:t>
             </a:fld>
             <a:endParaRPr lang="en-GB" dirty="0"/>
           </a:p>
@@ -6873,7 +6873,7 @@
           <a:p>
             <a:fld id="{2E0A8748-1412-43ED-820C-159C974758CD}" type="datetime1">
               <a:rPr lang="en-GB" smtClean="0"/>
-              <a:t>04/09/2022</a:t>
+              <a:t>05/09/2022</a:t>
             </a:fld>
             <a:endParaRPr lang="en-GB" dirty="0"/>
           </a:p>
@@ -7187,7 +7187,7 @@
           <a:p>
             <a:fld id="{E1C058B5-FFA9-4CC6-A88F-FA80C982C1D5}" type="datetime1">
               <a:rPr lang="en-GB" smtClean="0"/>
-              <a:t>04/09/2022</a:t>
+              <a:t>05/09/2022</a:t>
             </a:fld>
             <a:endParaRPr lang="en-GB" dirty="0"/>
           </a:p>
@@ -7315,7 +7315,7 @@
             <a:fld id="{F1A13B18-F5ED-4611-8DBB-F05123AFBA22}" type="datetimeFigureOut">
               <a:rPr lang="en-GB" smtClean="0"/>
               <a:pPr/>
-              <a:t>04/09/2022</a:t>
+              <a:t>05/09/2022</a:t>
             </a:fld>
             <a:endParaRPr lang="en-GB" dirty="0"/>
           </a:p>
@@ -8110,7 +8110,7 @@
             <a:fld id="{F1A13B18-F5ED-4611-8DBB-F05123AFBA22}" type="datetimeFigureOut">
               <a:rPr lang="en-GB" smtClean="0"/>
               <a:pPr/>
-              <a:t>04/09/2022</a:t>
+              <a:t>05/09/2022</a:t>
             </a:fld>
             <a:endParaRPr lang="en-GB" dirty="0"/>
           </a:p>
@@ -8230,7 +8230,7 @@
           <a:p>
             <a:fld id="{AEED5D86-9978-4282-A252-17E5DF8C7722}" type="datetime1">
               <a:rPr lang="en-GB" smtClean="0"/>
-              <a:t>04/09/2022</a:t>
+              <a:t>05/09/2022</a:t>
             </a:fld>
             <a:endParaRPr lang="en-GB" dirty="0"/>
           </a:p>
@@ -9099,7 +9099,7 @@
             <a:fld id="{F1A13B18-F5ED-4611-8DBB-F05123AFBA22}" type="datetimeFigureOut">
               <a:rPr lang="en-GB" smtClean="0"/>
               <a:pPr/>
-              <a:t>04/09/2022</a:t>
+              <a:t>05/09/2022</a:t>
             </a:fld>
             <a:endParaRPr lang="en-GB" dirty="0"/>
           </a:p>
@@ -9128,7 +9128,7 @@
           <a:p>
             <a:fld id="{3E8E6F52-68EF-477B-9871-3CA3706A4F16}" type="datetime1">
               <a:rPr lang="en-GB" smtClean="0"/>
-              <a:t>04/09/2022</a:t>
+              <a:t>05/09/2022</a:t>
             </a:fld>
             <a:endParaRPr lang="en-GB" dirty="0"/>
           </a:p>
@@ -9600,7 +9600,7 @@
           <a:p>
             <a:fld id="{3E684270-B314-44CE-8A8A-F2F564B65F6B}" type="datetime1">
               <a:rPr lang="en-GB" smtClean="0"/>
-              <a:t>04/09/2022</a:t>
+              <a:t>05/09/2022</a:t>
             </a:fld>
             <a:endParaRPr lang="en-GB" dirty="0"/>
           </a:p>
@@ -9904,7 +9904,7 @@
             <a:fld id="{F1A13B18-F5ED-4611-8DBB-F05123AFBA22}" type="datetimeFigureOut">
               <a:rPr lang="en-GB" smtClean="0"/>
               <a:pPr/>
-              <a:t>04/09/2022</a:t>
+              <a:t>05/09/2022</a:t>
             </a:fld>
             <a:endParaRPr lang="en-GB" dirty="0"/>
           </a:p>
@@ -10580,7 +10580,7 @@
             <a:fld id="{597B577A-096A-4771-A39B-4E2666BB2668}" type="datetime1">
               <a:rPr lang="en-GB" smtClean="0"/>
               <a:pPr/>
-              <a:t>04/09/2022</a:t>
+              <a:t>05/09/2022</a:t>
             </a:fld>
             <a:endParaRPr lang="en-GB" dirty="0"/>
           </a:p>
@@ -10721,7 +10721,7 @@
           <a:p>
             <a:fld id="{BE53DDF9-E4BF-4D22-AC7A-5B8B716F3A35}" type="datetime1">
               <a:rPr lang="en-GB" smtClean="0"/>
-              <a:t>04/09/2022</a:t>
+              <a:t>05/09/2022</a:t>
             </a:fld>
             <a:endParaRPr lang="en-GB" dirty="0"/>
           </a:p>
@@ -11017,7 +11017,7 @@
           <a:p>
             <a:fld id="{41CDF3EA-B508-4B01-9654-635C6C12523D}" type="datetime1">
               <a:rPr lang="en-GB" smtClean="0"/>
-              <a:t>04/09/2022</a:t>
+              <a:t>05/09/2022</a:t>
             </a:fld>
             <a:endParaRPr lang="en-GB" dirty="0"/>
           </a:p>
@@ -11186,7 +11186,7 @@
           <a:p>
             <a:fld id="{8E576F76-D1EC-402E-A413-AC438190A8EB}" type="datetime1">
               <a:rPr lang="en-GB" smtClean="0"/>
-              <a:t>04/09/2022</a:t>
+              <a:t>05/09/2022</a:t>
             </a:fld>
             <a:endParaRPr lang="en-GB" dirty="0"/>
           </a:p>
@@ -12270,7 +12270,7 @@
           <a:p>
             <a:fld id="{CB3A6D30-47B9-485E-92A2-364BFE6A7756}" type="datetime1">
               <a:rPr lang="en-GB" smtClean="0"/>
-              <a:t>04/09/2022</a:t>
+              <a:t>05/09/2022</a:t>
             </a:fld>
             <a:endParaRPr lang="en-GB" dirty="0"/>
           </a:p>
@@ -12571,7 +12571,7 @@
           <a:p>
             <a:fld id="{9DEE6C2E-B854-4BF1-8451-CE678CBACCDC}" type="datetime1">
               <a:rPr lang="en-GB" smtClean="0"/>
-              <a:t>04/09/2022</a:t>
+              <a:t>05/09/2022</a:t>
             </a:fld>
             <a:endParaRPr lang="en-GB" dirty="0"/>
           </a:p>
@@ -12676,7 +12676,7 @@
           <a:p>
             <a:fld id="{CB881549-CC20-46A6-A3FE-55049530AA6B}" type="datetime1">
               <a:rPr lang="en-GB" smtClean="0"/>
-              <a:t>04/09/2022</a:t>
+              <a:t>05/09/2022</a:t>
             </a:fld>
             <a:endParaRPr lang="en-GB" dirty="0"/>
           </a:p>
@@ -15332,7 +15332,7 @@
           <a:p>
             <a:fld id="{41CDF3EA-B508-4B01-9654-635C6C12523D}" type="datetime1">
               <a:rPr lang="en-GB" smtClean="0"/>
-              <a:t>04/09/2022</a:t>
+              <a:t>05/09/2022</a:t>
             </a:fld>
             <a:endParaRPr lang="en-GB" dirty="0"/>
           </a:p>
@@ -15442,7 +15442,7 @@
           <a:p>
             <a:fld id="{8E576F76-D1EC-402E-A413-AC438190A8EB}" type="datetime1">
               <a:rPr lang="en-GB" smtClean="0"/>
-              <a:t>04/09/2022</a:t>
+              <a:t>05/09/2022</a:t>
             </a:fld>
             <a:endParaRPr lang="en-GB" dirty="0"/>
           </a:p>
@@ -15782,10 +15782,10 @@
       </p:cxnSp>
       <p:pic>
         <p:nvPicPr>
-          <p:cNvPr id="20" name="Picture 19">
-            <a:extLst>
-              <a:ext uri="{FF2B5EF4-FFF2-40B4-BE49-F238E27FC236}">
-                <a16:creationId xmlns:a16="http://schemas.microsoft.com/office/drawing/2014/main" id="{04C7BCED-60F3-A1C1-1F25-0EF901D000BC}"/>
+          <p:cNvPr id="31" name="Picture 30">
+            <a:extLst>
+              <a:ext uri="{FF2B5EF4-FFF2-40B4-BE49-F238E27FC236}">
+                <a16:creationId xmlns:a16="http://schemas.microsoft.com/office/drawing/2014/main" id="{1B43BBDE-88D2-8A6F-1DD7-ABFEF5EBFB96}"/>
               </a:ext>
             </a:extLst>
           </p:cNvPr>
@@ -15795,27 +15795,73 @@
           <p:nvPr/>
         </p:nvPicPr>
         <p:blipFill>
-          <a:blip r:embed="rId9"/>
+          <a:blip r:embed="rId9" cstate="print">
+            <a:extLst>
+              <a:ext uri="{28A0092B-C50C-407E-A947-70E740481C1C}">
+                <a14:useLocalDpi xmlns:a14="http://schemas.microsoft.com/office/drawing/2010/main" val="0"/>
+              </a:ext>
+            </a:extLst>
+          </a:blip>
           <a:stretch>
             <a:fillRect/>
           </a:stretch>
         </p:blipFill>
         <p:spPr>
           <a:xfrm>
-            <a:off x="6312356" y="1417179"/>
-            <a:ext cx="3343509" cy="4761326"/>
+            <a:off x="10422287" y="4127618"/>
+            <a:ext cx="1222720" cy="1222720"/>
           </a:xfrm>
           <a:prstGeom prst="rect">
             <a:avLst/>
           </a:prstGeom>
         </p:spPr>
       </p:pic>
+      <p:sp>
+        <p:nvSpPr>
+          <p:cNvPr id="43" name="TextBox 42">
+            <a:extLst>
+              <a:ext uri="{FF2B5EF4-FFF2-40B4-BE49-F238E27FC236}">
+                <a16:creationId xmlns:a16="http://schemas.microsoft.com/office/drawing/2014/main" id="{61EC270F-886B-3235-D21A-AB2C4E5D9EA8}"/>
+              </a:ext>
+            </a:extLst>
+          </p:cNvPr>
+          <p:cNvSpPr txBox="1"/>
+          <p:nvPr/>
+        </p:nvSpPr>
+        <p:spPr>
+          <a:xfrm>
+            <a:off x="10336530" y="5350338"/>
+            <a:ext cx="4088970" cy="230832"/>
+          </a:xfrm>
+          <a:prstGeom prst="rect">
+            <a:avLst/>
+          </a:prstGeom>
+          <a:noFill/>
+        </p:spPr>
+        <p:txBody>
+          <a:bodyPr wrap="square">
+            <a:spAutoFit/>
+          </a:bodyPr>
+          <a:lstStyle/>
+          <a:p>
+            <a:r>
+              <a:rPr lang="da-DK" sz="900" b="1" dirty="0"/>
+              <a:t>SoRo_101  QR </a:t>
+            </a:r>
+            <a:r>
+              <a:rPr lang="da-DK" sz="900" b="1" dirty="0" err="1"/>
+              <a:t>code</a:t>
+            </a:r>
+            <a:endParaRPr lang="da-DK" sz="900" b="1" dirty="0"/>
+          </a:p>
+        </p:txBody>
+      </p:sp>
       <p:pic>
         <p:nvPicPr>
-          <p:cNvPr id="31" name="Picture 30">
-            <a:extLst>
-              <a:ext uri="{FF2B5EF4-FFF2-40B4-BE49-F238E27FC236}">
-                <a16:creationId xmlns:a16="http://schemas.microsoft.com/office/drawing/2014/main" id="{1B43BBDE-88D2-8A6F-1DD7-ABFEF5EBFB96}"/>
+          <p:cNvPr id="5" name="Picture 4">
+            <a:extLst>
+              <a:ext uri="{FF2B5EF4-FFF2-40B4-BE49-F238E27FC236}">
+                <a16:creationId xmlns:a16="http://schemas.microsoft.com/office/drawing/2014/main" id="{15E2D7F7-C187-2DAA-2E8E-1F554D83FA38}"/>
               </a:ext>
             </a:extLst>
           </p:cNvPr>
@@ -15825,21 +15871,15 @@
           <p:nvPr/>
         </p:nvPicPr>
         <p:blipFill>
-          <a:blip r:embed="rId10" cstate="print">
-            <a:extLst>
-              <a:ext uri="{28A0092B-C50C-407E-A947-70E740481C1C}">
-                <a14:useLocalDpi xmlns:a14="http://schemas.microsoft.com/office/drawing/2010/main" val="0"/>
-              </a:ext>
-            </a:extLst>
-          </a:blip>
+          <a:blip r:embed="rId10"/>
           <a:stretch>
             <a:fillRect/>
           </a:stretch>
         </p:blipFill>
         <p:spPr>
           <a:xfrm>
-            <a:off x="10422287" y="4127618"/>
-            <a:ext cx="1222720" cy="1222720"/>
+            <a:off x="6034520" y="1278880"/>
+            <a:ext cx="4230768" cy="5035209"/>
           </a:xfrm>
           <a:prstGeom prst="rect">
             <a:avLst/>
@@ -15848,10 +15888,10 @@
       </p:pic>
       <p:sp>
         <p:nvSpPr>
-          <p:cNvPr id="43" name="TextBox 42">
-            <a:extLst>
-              <a:ext uri="{FF2B5EF4-FFF2-40B4-BE49-F238E27FC236}">
-                <a16:creationId xmlns:a16="http://schemas.microsoft.com/office/drawing/2014/main" id="{61EC270F-886B-3235-D21A-AB2C4E5D9EA8}"/>
+          <p:cNvPr id="15" name="TextBox 14">
+            <a:extLst>
+              <a:ext uri="{FF2B5EF4-FFF2-40B4-BE49-F238E27FC236}">
+                <a16:creationId xmlns:a16="http://schemas.microsoft.com/office/drawing/2014/main" id="{6AC8BFE3-CBC5-B06C-2B1C-9C1AB2F72117}"/>
               </a:ext>
             </a:extLst>
           </p:cNvPr>
@@ -15860,8 +15900,8 @@
         </p:nvSpPr>
         <p:spPr>
           <a:xfrm>
-            <a:off x="10336530" y="5350338"/>
-            <a:ext cx="4088970" cy="230832"/>
+            <a:off x="10336530" y="5581170"/>
+            <a:ext cx="1561091" cy="369332"/>
           </a:xfrm>
           <a:prstGeom prst="rect">
             <a:avLst/>
@@ -15875,14 +15915,12 @@
           <a:lstStyle/>
           <a:p>
             <a:r>
-              <a:rPr lang="da-DK" sz="900" b="1" dirty="0"/>
-              <a:t>SoRo_101  QR </a:t>
-            </a:r>
-            <a:r>
-              <a:rPr lang="da-DK" sz="900" b="1" dirty="0" err="1"/>
-              <a:t>code</a:t>
-            </a:r>
-            <a:endParaRPr lang="da-DK" sz="900" b="1" dirty="0"/>
+              <a:rPr lang="en-US" sz="1800" dirty="0">
+                <a:hlinkClick r:id="rId11"/>
+              </a:rPr>
+              <a:t>GitHub Link</a:t>
+            </a:r>
+            <a:endParaRPr lang="en-US" sz="1800" dirty="0"/>
           </a:p>
         </p:txBody>
       </p:sp>
@@ -15974,7 +16012,7 @@
           <a:p>
             <a:fld id="{E81F17E0-FBBA-4EC6-BCEC-511242A30F57}" type="datetime1">
               <a:rPr lang="en-GB" smtClean="0"/>
-              <a:t>04/09/2022</a:t>
+              <a:t>05/09/2022</a:t>
             </a:fld>
             <a:endParaRPr lang="en-GB" dirty="0"/>
           </a:p>
@@ -16084,7 +16122,7 @@
           <a:p>
             <a:fld id="{F5CAB30E-E183-48C0-B262-A970D970A635}" type="datetime1">
               <a:rPr lang="en-GB" smtClean="0"/>
-              <a:t>04/09/2022</a:t>
+              <a:t>05/09/2022</a:t>
             </a:fld>
             <a:endParaRPr lang="en-GB" dirty="0"/>
           </a:p>
@@ -16808,7 +16846,7 @@
           <a:p>
             <a:fld id="{CAB19487-67E1-4ABB-8A33-257A046ABF7F}" type="datetime1">
               <a:rPr lang="en-GB" smtClean="0"/>
-              <a:t>04/09/2022</a:t>
+              <a:t>05/09/2022</a:t>
             </a:fld>
             <a:endParaRPr lang="en-GB" dirty="0"/>
           </a:p>
@@ -17401,7 +17439,7 @@
           <a:p>
             <a:fld id="{CB3A6D30-47B9-485E-92A2-364BFE6A7756}" type="datetime1">
               <a:rPr lang="en-GB" smtClean="0"/>
-              <a:t>04/09/2022</a:t>
+              <a:t>05/09/2022</a:t>
             </a:fld>
             <a:endParaRPr lang="en-GB" dirty="0"/>
           </a:p>
@@ -17701,7 +17739,7 @@
           <a:p>
             <a:fld id="{9DEE6C2E-B854-4BF1-8451-CE678CBACCDC}" type="datetime1">
               <a:rPr lang="en-GB" smtClean="0"/>
-              <a:t>04/09/2022</a:t>
+              <a:t>05/09/2022</a:t>
             </a:fld>
             <a:endParaRPr lang="en-GB" dirty="0"/>
           </a:p>
@@ -17806,7 +17844,7 @@
           <a:p>
             <a:fld id="{BB27F560-D2DB-4E33-9FC9-98C94F16CF3E}" type="datetime1">
               <a:rPr lang="en-GB" smtClean="0"/>
-              <a:t>04/09/2022</a:t>
+              <a:t>05/09/2022</a:t>
             </a:fld>
             <a:endParaRPr lang="en-GB" dirty="0"/>
           </a:p>
@@ -18887,19 +18925,19 @@
 </file>
 
 <file path=customXml/item1.xml><?xml version="1.0" encoding="utf-8"?>
-<TemplafyTemplateConfiguration><![CDATA[{"elementsMetadata":[{"type":"shape","id":"cd9741c8-8789-4c25-acf2-07e462de9c42","elementConfiguration":{"format":"{{DateFormats.MonthYear}}","binding":"Form.Date","disableUpdates":false,"type":"date"}},{"type":"shape","id":"8c7c9c3c-6f56-411a-89c2-4779e9849385","elementConfiguration":{"binding":"UserProfile.Institut.InstituteDCU_{{DocumentLanguage}}","disableUpdates":false,"type":"text"}},{"type":"shape","id":"92df3218-2473-47f4-9860-43a98e4e250c","elementConfiguration":{"binding":"UserProfile.Institut.InstituteDCU_{{DocumentLanguage}}","disableUpdates":false,"type":"text"}},{"type":"shape","id":"b346f40c-f13c-4a58-820b-5140e4ebe935","elementConfiguration":{"format":"{{DateFormats.MonthYear}}","binding":"Form.Date","disableUpdates":false,"type":"date"}},{"type":"shape","id":"35bf690c-838b-4fd7-85cd-cb0fbdb4c8c2","elementConfiguration":{"binding":"UserProfile.Institut.InstituteDCU_{{DocumentLanguage}}","disableUpdates":false,"type":"text"}},{"type":"shape","id":"909b52da-edda-4361-a03a-5e8d32a9e95b","elementConfiguration":{"format":"{{DateFormats.MonthYear}}","binding":"Form.Date","disableUpdates":false,"type":"date"}},{"type":"shape","id":"b7e5f2a0-79b4-4df1-9927-b970af9eddbc","elementConfiguration":{"binding":"UserProfile.Institut.InstituteDCU_{{DocumentLanguage}}","disableUpdates":false,"type":"text"}},{"type":"shape","id":"03113827-e04d-43e1-84ca-7889c6030572","elementConfiguration":{"format":"{{DateFormats.MonthYear}}","binding":"Form.Date","disableUpdates":false,"type":"date"}},{"type":"shape","id":"f084c6c0-5e85-4951-acfe-94e4f2b8e005","elementConfiguration":{"format":"{{DateFormats.MonthYear}}","binding":"Form.Date","disableUpdates":false,"type":"date"}},{"type":"shape","id":"92ae4fbc-84fa-413a-80b0-e47c00552c60","elementConfiguration":{"binding":"UserProfile.Institut.InstituteDCU_{{DocumentLanguage}}","disableUpdates":false,"type":"text"}},{"type":"shape","id":"10cdd606-091a-4f48-a446-41b2aa1aab67","elementConfiguration":{"binding":"UserProfile.Institut.InstituteDCU_{{DocumentLanguage}}","disableUpdates":false,"type":"text"}},{"type":"shape","id":"cec31f44-2b9b-4ebf-bef4-bf4db7bb7df1","elementConfiguration":{"binding":"UserProfile.Institut.InstituteDCU_{{DocumentLanguage}}","disableUpdates":false,"type":"text"}},{"type":"shape","id":"3953907f-4fb2-4af6-8b51-26ec4cce2240","elementConfiguration":{"format":"{{DateFormats.MonthYear}}","binding":"Form.Date","disableUpdates":false,"type":"date"}}],"transformationConfigurations":[{"language":"{{DocumentLanguage}}","disableUpdates":false,"type":"proofingLanguage"}],"templateName":"","templateDescription":"","enableDocumentContentUpdater":true,"version":"1.3"}]]></TemplafyTemplateConfiguration>
+<TemplafySlideFormConfiguration><![CDATA[{"formFields":[],"formDataEntries":[]}]]></TemplafySlideFormConfiguration>
 </file>
 
 <file path=customXml/item10.xml><?xml version="1.0" encoding="utf-8"?>
+<TemplafySlideFormConfiguration><![CDATA[{"formFields":[],"formDataEntries":[]}]]></TemplafySlideFormConfiguration>
+</file>
+
+<file path=customXml/item11.xml><?xml version="1.0" encoding="utf-8"?>
 <TemplafyFormConfiguration><![CDATA[{"formFields":[{"required":false,"helpTexts":{"prefix":"","postfix":""},"spacing":{},"type":"datePicker","name":"Date","label":"Date","fullyQualifiedName":"Date"}],"formDataEntries":[{"name":"Date","value":"8htOAZrtBkYeKQuFdR2Q0A=="}]}]]></TemplafyFormConfiguration>
 </file>
 
-<file path=customXml/item11.xml><?xml version="1.0" encoding="utf-8"?>
-<TemplafySlideTemplateConfiguration><![CDATA[{"documentContentValidatorConfiguration":{"enableDocumentContentValidator":false,"documentContentValidatorVersion":0},"elementsMetadata":[],"slideId":"636891895634292862","enableDocumentContentUpdater":true,"version":"1.3"}]]></TemplafySlideTemplateConfiguration>
-</file>
-
 <file path=customXml/item12.xml><?xml version="1.0" encoding="utf-8"?>
-<TemplafySlideFormConfiguration><![CDATA[{"formFields":[],"formDataEntries":[]}]]></TemplafySlideFormConfiguration>
+<TemplafySlideTemplateConfiguration><![CDATA[{"documentContentValidatorConfiguration":{"enableDocumentContentValidator":false,"documentContentValidatorVersion":0},"elementsMetadata":[],"slideId":"636891895634292863","enableDocumentContentUpdater":true,"version":"1.3"}]]></TemplafySlideTemplateConfiguration>
 </file>
 
 <file path=customXml/item13.xml><?xml version="1.0" encoding="utf-8"?>
@@ -18915,7 +18953,7 @@
 </file>
 
 <file path=customXml/item3.xml><?xml version="1.0" encoding="utf-8"?>
-<TemplafySlideTemplateConfiguration><![CDATA[{"documentContentValidatorConfiguration":{"enableDocumentContentValidator":false,"documentContentValidatorVersion":0},"elementsMetadata":[],"slideId":"636891895634292863","enableDocumentContentUpdater":true,"version":"1.3"}]]></TemplafySlideTemplateConfiguration>
+<TemplafySlideTemplateConfiguration><![CDATA[{"documentContentValidatorConfiguration":{"enableDocumentContentValidator":false,"documentContentValidatorVersion":0},"elementsMetadata":[],"slideId":"636891895634292862","enableDocumentContentUpdater":true,"version":"1.3"}]]></TemplafySlideTemplateConfiguration>
 </file>
 
 <file path=customXml/item4.xml><?xml version="1.0" encoding="utf-8"?>
@@ -18927,7 +18965,7 @@
 </file>
 
 <file path=customXml/item6.xml><?xml version="1.0" encoding="utf-8"?>
-<TemplafySlideFormConfiguration><![CDATA[{"formFields":[],"formDataEntries":[]}]]></TemplafySlideFormConfiguration>
+<TemplafyTemplateConfiguration><![CDATA[{"elementsMetadata":[{"type":"shape","id":"cd9741c8-8789-4c25-acf2-07e462de9c42","elementConfiguration":{"format":"{{DateFormats.MonthYear}}","binding":"Form.Date","disableUpdates":false,"type":"date"}},{"type":"shape","id":"8c7c9c3c-6f56-411a-89c2-4779e9849385","elementConfiguration":{"binding":"UserProfile.Institut.InstituteDCU_{{DocumentLanguage}}","disableUpdates":false,"type":"text"}},{"type":"shape","id":"92df3218-2473-47f4-9860-43a98e4e250c","elementConfiguration":{"binding":"UserProfile.Institut.InstituteDCU_{{DocumentLanguage}}","disableUpdates":false,"type":"text"}},{"type":"shape","id":"b346f40c-f13c-4a58-820b-5140e4ebe935","elementConfiguration":{"format":"{{DateFormats.MonthYear}}","binding":"Form.Date","disableUpdates":false,"type":"date"}},{"type":"shape","id":"35bf690c-838b-4fd7-85cd-cb0fbdb4c8c2","elementConfiguration":{"binding":"UserProfile.Institut.InstituteDCU_{{DocumentLanguage}}","disableUpdates":false,"type":"text"}},{"type":"shape","id":"909b52da-edda-4361-a03a-5e8d32a9e95b","elementConfiguration":{"format":"{{DateFormats.MonthYear}}","binding":"Form.Date","disableUpdates":false,"type":"date"}},{"type":"shape","id":"b7e5f2a0-79b4-4df1-9927-b970af9eddbc","elementConfiguration":{"binding":"UserProfile.Institut.InstituteDCU_{{DocumentLanguage}}","disableUpdates":false,"type":"text"}},{"type":"shape","id":"03113827-e04d-43e1-84ca-7889c6030572","elementConfiguration":{"format":"{{DateFormats.MonthYear}}","binding":"Form.Date","disableUpdates":false,"type":"date"}},{"type":"shape","id":"f084c6c0-5e85-4951-acfe-94e4f2b8e005","elementConfiguration":{"format":"{{DateFormats.MonthYear}}","binding":"Form.Date","disableUpdates":false,"type":"date"}},{"type":"shape","id":"92ae4fbc-84fa-413a-80b0-e47c00552c60","elementConfiguration":{"binding":"UserProfile.Institut.InstituteDCU_{{DocumentLanguage}}","disableUpdates":false,"type":"text"}},{"type":"shape","id":"10cdd606-091a-4f48-a446-41b2aa1aab67","elementConfiguration":{"binding":"UserProfile.Institut.InstituteDCU_{{DocumentLanguage}}","disableUpdates":false,"type":"text"}},{"type":"shape","id":"cec31f44-2b9b-4ebf-bef4-bf4db7bb7df1","elementConfiguration":{"binding":"UserProfile.Institut.InstituteDCU_{{DocumentLanguage}}","disableUpdates":false,"type":"text"}},{"type":"shape","id":"3953907f-4fb2-4af6-8b51-26ec4cce2240","elementConfiguration":{"format":"{{DateFormats.MonthYear}}","binding":"Form.Date","disableUpdates":false,"type":"date"}}],"transformationConfigurations":[{"language":"{{DocumentLanguage}}","disableUpdates":false,"type":"proofingLanguage"}],"templateName":"","templateDescription":"","enableDocumentContentUpdater":true,"version":"1.3"}]]></TemplafyTemplateConfiguration>
 </file>
 
 <file path=customXml/item7.xml><?xml version="1.0" encoding="utf-8"?>
@@ -18935,45 +18973,45 @@
 </file>
 
 <file path=customXml/item8.xml><?xml version="1.0" encoding="utf-8"?>
+<TemplafySlideFormConfiguration><![CDATA[{"formFields":[],"formDataEntries":[]}]]></TemplafySlideFormConfiguration>
+</file>
+
+<file path=customXml/item9.xml><?xml version="1.0" encoding="utf-8"?>
 <TemplafySlideTemplateConfiguration><![CDATA[{"documentContentValidatorConfiguration":{"enableDocumentContentValidator":false,"documentContentValidatorVersion":0},"elementsMetadata":[],"slideId":"636891895634292863","enableDocumentContentUpdater":true,"version":"1.3"}]]></TemplafySlideTemplateConfiguration>
 </file>
 
-<file path=customXml/item9.xml><?xml version="1.0" encoding="utf-8"?>
-<TemplafySlideFormConfiguration><![CDATA[{"formFields":[],"formDataEntries":[]}]]></TemplafySlideFormConfiguration>
-</file>
-
 <file path=customXml/itemProps1.xml><?xml version="1.0" encoding="utf-8"?>
-<ds:datastoreItem xmlns:ds="http://schemas.openxmlformats.org/officeDocument/2006/customXml" ds:itemID="{C484C70F-0F64-4774-853F-19FDF7E1F81D}">
+<ds:datastoreItem xmlns:ds="http://schemas.openxmlformats.org/officeDocument/2006/customXml" ds:itemID="{A57C0D19-358B-4753-8DA4-9204CEA2F95F}">
   <ds:schemaRefs/>
 </ds:datastoreItem>
 </file>
 
 <file path=customXml/itemProps10.xml><?xml version="1.0" encoding="utf-8"?>
+<ds:datastoreItem xmlns:ds="http://schemas.openxmlformats.org/officeDocument/2006/customXml" ds:itemID="{923BA519-6502-4EA6-B0FB-C867A3D8FB98}">
+  <ds:schemaRefs/>
+</ds:datastoreItem>
+</file>
+
+<file path=customXml/itemProps11.xml><?xml version="1.0" encoding="utf-8"?>
 <ds:datastoreItem xmlns:ds="http://schemas.openxmlformats.org/officeDocument/2006/customXml" ds:itemID="{C5CD5A01-6378-494D-B71B-D23DEC9A120C}">
   <ds:schemaRefs/>
 </ds:datastoreItem>
 </file>
 
-<file path=customXml/itemProps11.xml><?xml version="1.0" encoding="utf-8"?>
-<ds:datastoreItem xmlns:ds="http://schemas.openxmlformats.org/officeDocument/2006/customXml" ds:itemID="{80A386E5-FB57-411F-ACEC-E4C4608EF981}">
-  <ds:schemaRefs/>
-</ds:datastoreItem>
-</file>
-
 <file path=customXml/itemProps12.xml><?xml version="1.0" encoding="utf-8"?>
-<ds:datastoreItem xmlns:ds="http://schemas.openxmlformats.org/officeDocument/2006/customXml" ds:itemID="{43723FED-A2E0-415E-8B28-139637BC092B}">
+<ds:datastoreItem xmlns:ds="http://schemas.openxmlformats.org/officeDocument/2006/customXml" ds:itemID="{A078B4FF-09BD-41CC-9B29-FE1B7D89E18C}">
   <ds:schemaRefs/>
 </ds:datastoreItem>
 </file>
 
 <file path=customXml/itemProps13.xml><?xml version="1.0" encoding="utf-8"?>
-<ds:datastoreItem xmlns:ds="http://schemas.openxmlformats.org/officeDocument/2006/customXml" ds:itemID="{06CE3761-89D3-4A8E-8EB2-9214574F9FD3}">
+<ds:datastoreItem xmlns:ds="http://schemas.openxmlformats.org/officeDocument/2006/customXml" ds:itemID="{C4661244-55D4-40CB-87F8-D12D6D1E5278}">
   <ds:schemaRefs/>
 </ds:datastoreItem>
 </file>
 
 <file path=customXml/itemProps14.xml><?xml version="1.0" encoding="utf-8"?>
-<ds:datastoreItem xmlns:ds="http://schemas.openxmlformats.org/officeDocument/2006/customXml" ds:itemID="{C4661244-55D4-40CB-87F8-D12D6D1E5278}">
+<ds:datastoreItem xmlns:ds="http://schemas.openxmlformats.org/officeDocument/2006/customXml" ds:itemID="{C83BBD83-B3C3-47BA-B125-6A2A1A31FA48}">
   <ds:schemaRefs/>
 </ds:datastoreItem>
 </file>
@@ -18985,7 +19023,7 @@
 </file>
 
 <file path=customXml/itemProps3.xml><?xml version="1.0" encoding="utf-8"?>
-<ds:datastoreItem xmlns:ds="http://schemas.openxmlformats.org/officeDocument/2006/customXml" ds:itemID="{C83BBD83-B3C3-47BA-B125-6A2A1A31FA48}">
+<ds:datastoreItem xmlns:ds="http://schemas.openxmlformats.org/officeDocument/2006/customXml" ds:itemID="{80A386E5-FB57-411F-ACEC-E4C4608EF981}">
   <ds:schemaRefs/>
 </ds:datastoreItem>
 </file>
@@ -18997,31 +19035,31 @@
 </file>
 
 <file path=customXml/itemProps5.xml><?xml version="1.0" encoding="utf-8"?>
-<ds:datastoreItem xmlns:ds="http://schemas.openxmlformats.org/officeDocument/2006/customXml" ds:itemID="{A57C0D19-358B-4753-8DA4-9204CEA2F95F}">
+<ds:datastoreItem xmlns:ds="http://schemas.openxmlformats.org/officeDocument/2006/customXml" ds:itemID="{8CA70B28-CACC-45C6-8E39-ED02582859E9}">
   <ds:schemaRefs/>
 </ds:datastoreItem>
 </file>
 
 <file path=customXml/itemProps6.xml><?xml version="1.0" encoding="utf-8"?>
-<ds:datastoreItem xmlns:ds="http://schemas.openxmlformats.org/officeDocument/2006/customXml" ds:itemID="{923BA519-6502-4EA6-B0FB-C867A3D8FB98}">
+<ds:datastoreItem xmlns:ds="http://schemas.openxmlformats.org/officeDocument/2006/customXml" ds:itemID="{C484C70F-0F64-4774-853F-19FDF7E1F81D}">
   <ds:schemaRefs/>
 </ds:datastoreItem>
 </file>
 
 <file path=customXml/itemProps7.xml><?xml version="1.0" encoding="utf-8"?>
-<ds:datastoreItem xmlns:ds="http://schemas.openxmlformats.org/officeDocument/2006/customXml" ds:itemID="{8CA70B28-CACC-45C6-8E39-ED02582859E9}">
+<ds:datastoreItem xmlns:ds="http://schemas.openxmlformats.org/officeDocument/2006/customXml" ds:itemID="{43723FED-A2E0-415E-8B28-139637BC092B}">
   <ds:schemaRefs/>
 </ds:datastoreItem>
 </file>
 
 <file path=customXml/itemProps8.xml><?xml version="1.0" encoding="utf-8"?>
-<ds:datastoreItem xmlns:ds="http://schemas.openxmlformats.org/officeDocument/2006/customXml" ds:itemID="{A078B4FF-09BD-41CC-9B29-FE1B7D89E18C}">
+<ds:datastoreItem xmlns:ds="http://schemas.openxmlformats.org/officeDocument/2006/customXml" ds:itemID="{38B69043-C0D1-4478-8C3C-F54850531D8E}">
   <ds:schemaRefs/>
 </ds:datastoreItem>
 </file>
 
 <file path=customXml/itemProps9.xml><?xml version="1.0" encoding="utf-8"?>
-<ds:datastoreItem xmlns:ds="http://schemas.openxmlformats.org/officeDocument/2006/customXml" ds:itemID="{38B69043-C0D1-4478-8C3C-F54850531D8E}">
+<ds:datastoreItem xmlns:ds="http://schemas.openxmlformats.org/officeDocument/2006/customXml" ds:itemID="{06CE3761-89D3-4A8E-8EB2-9214574F9FD3}">
   <ds:schemaRefs/>
 </ds:datastoreItem>
 </file>
--- a/ISR2022_Tutorial1.pptx
+++ b/ISR2022_Tutorial1.pptx
@@ -10805,10 +10805,10 @@
       </p:sp>
       <p:pic>
         <p:nvPicPr>
-          <p:cNvPr id="7" name="Picture 6">
-            <a:extLst>
-              <a:ext uri="{FF2B5EF4-FFF2-40B4-BE49-F238E27FC236}">
-                <a16:creationId xmlns:a16="http://schemas.microsoft.com/office/drawing/2014/main" id="{B3A9EC62-F358-4340-927F-132589FF6335}"/>
+          <p:cNvPr id="9" name="Picture 8">
+            <a:extLst>
+              <a:ext uri="{FF2B5EF4-FFF2-40B4-BE49-F238E27FC236}">
+                <a16:creationId xmlns:a16="http://schemas.microsoft.com/office/drawing/2014/main" id="{76F2091A-444B-4EF0-B945-7CB8F3E6187F}"/>
               </a:ext>
             </a:extLst>
           </p:cNvPr>
@@ -10825,8 +10825,8 @@
         </p:blipFill>
         <p:spPr>
           <a:xfrm>
-            <a:off x="901853" y="2298316"/>
-            <a:ext cx="5772150" cy="1000125"/>
+            <a:off x="901853" y="3559560"/>
+            <a:ext cx="8239125" cy="400050"/>
           </a:xfrm>
           <a:prstGeom prst="rect">
             <a:avLst/>
@@ -10835,10 +10835,10 @@
       </p:pic>
       <p:pic>
         <p:nvPicPr>
-          <p:cNvPr id="9" name="Picture 8">
-            <a:extLst>
-              <a:ext uri="{FF2B5EF4-FFF2-40B4-BE49-F238E27FC236}">
-                <a16:creationId xmlns:a16="http://schemas.microsoft.com/office/drawing/2014/main" id="{76F2091A-444B-4EF0-B945-7CB8F3E6187F}"/>
+          <p:cNvPr id="12" name="Picture 11">
+            <a:extLst>
+              <a:ext uri="{FF2B5EF4-FFF2-40B4-BE49-F238E27FC236}">
+                <a16:creationId xmlns:a16="http://schemas.microsoft.com/office/drawing/2014/main" id="{8D37F645-9D70-4FAE-8A2C-DDA3215EF2A8}"/>
               </a:ext>
             </a:extLst>
           </p:cNvPr>
@@ -10847,28 +10847,64 @@
           </p:cNvPicPr>
           <p:nvPr/>
         </p:nvPicPr>
-        <p:blipFill>
+        <p:blipFill rotWithShape="1">
           <a:blip r:embed="rId3"/>
-          <a:stretch>
-            <a:fillRect/>
-          </a:stretch>
+          <a:srcRect t="7594"/>
+          <a:stretch/>
         </p:blipFill>
         <p:spPr>
           <a:xfrm>
-            <a:off x="901853" y="3559560"/>
-            <a:ext cx="8239125" cy="400050"/>
+            <a:off x="901853" y="4471101"/>
+            <a:ext cx="5495925" cy="1205831"/>
           </a:xfrm>
           <a:prstGeom prst="rect">
             <a:avLst/>
           </a:prstGeom>
         </p:spPr>
       </p:pic>
+      <p:sp>
+        <p:nvSpPr>
+          <p:cNvPr id="10" name="TextBox 9">
+            <a:extLst>
+              <a:ext uri="{FF2B5EF4-FFF2-40B4-BE49-F238E27FC236}">
+                <a16:creationId xmlns:a16="http://schemas.microsoft.com/office/drawing/2014/main" id="{96961A35-B528-D6A0-B80D-11E13600B8AC}"/>
+              </a:ext>
+            </a:extLst>
+          </p:cNvPr>
+          <p:cNvSpPr txBox="1"/>
+          <p:nvPr/>
+        </p:nvSpPr>
+        <p:spPr>
+          <a:xfrm>
+            <a:off x="10076186" y="6357617"/>
+            <a:ext cx="1883121" cy="246221"/>
+          </a:xfrm>
+          <a:prstGeom prst="rect">
+            <a:avLst/>
+          </a:prstGeom>
+          <a:solidFill>
+            <a:srgbClr val="DDCBA4"/>
+          </a:solidFill>
+        </p:spPr>
+        <p:txBody>
+          <a:bodyPr wrap="square" lIns="0" tIns="0" rIns="0" bIns="0" rtlCol="0">
+            <a:spAutoFit/>
+          </a:bodyPr>
+          <a:lstStyle/>
+          <a:p>
+            <a:r>
+              <a:rPr lang="da-DK" sz="1600" dirty="0"/>
+              <a:t>5 September 2022</a:t>
+            </a:r>
+          </a:p>
+        </p:txBody>
+      </p:sp>
       <p:pic>
         <p:nvPicPr>
-          <p:cNvPr id="12" name="Picture 11">
-            <a:extLst>
-              <a:ext uri="{FF2B5EF4-FFF2-40B4-BE49-F238E27FC236}">
-                <a16:creationId xmlns:a16="http://schemas.microsoft.com/office/drawing/2014/main" id="{8D37F645-9D70-4FAE-8A2C-DDA3215EF2A8}"/>
+          <p:cNvPr id="5" name="Picture 4">
+            <a:extLst>
+              <a:ext uri="{FF2B5EF4-FFF2-40B4-BE49-F238E27FC236}">
+                <a16:creationId xmlns:a16="http://schemas.microsoft.com/office/drawing/2014/main" id="{811F5214-9E81-4F9A-70EE-7D29D3F3E4FC}"/>
               </a:ext>
             </a:extLst>
           </p:cNvPr>
@@ -10879,56 +10915,19 @@
         </p:nvPicPr>
         <p:blipFill rotWithShape="1">
           <a:blip r:embed="rId4"/>
-          <a:srcRect t="7594"/>
+          <a:srcRect t="61140"/>
           <a:stretch/>
         </p:blipFill>
         <p:spPr>
           <a:xfrm>
-            <a:off x="901853" y="4471101"/>
-            <a:ext cx="5495925" cy="1205831"/>
+            <a:off x="901853" y="2446307"/>
+            <a:ext cx="7800975" cy="695869"/>
           </a:xfrm>
           <a:prstGeom prst="rect">
             <a:avLst/>
           </a:prstGeom>
         </p:spPr>
       </p:pic>
-      <p:sp>
-        <p:nvSpPr>
-          <p:cNvPr id="10" name="TextBox 9">
-            <a:extLst>
-              <a:ext uri="{FF2B5EF4-FFF2-40B4-BE49-F238E27FC236}">
-                <a16:creationId xmlns:a16="http://schemas.microsoft.com/office/drawing/2014/main" id="{96961A35-B528-D6A0-B80D-11E13600B8AC}"/>
-              </a:ext>
-            </a:extLst>
-          </p:cNvPr>
-          <p:cNvSpPr txBox="1"/>
-          <p:nvPr/>
-        </p:nvSpPr>
-        <p:spPr>
-          <a:xfrm>
-            <a:off x="10076186" y="6357617"/>
-            <a:ext cx="1883121" cy="246221"/>
-          </a:xfrm>
-          <a:prstGeom prst="rect">
-            <a:avLst/>
-          </a:prstGeom>
-          <a:solidFill>
-            <a:srgbClr val="DDCBA4"/>
-          </a:solidFill>
-        </p:spPr>
-        <p:txBody>
-          <a:bodyPr wrap="square" lIns="0" tIns="0" rIns="0" bIns="0" rtlCol="0">
-            <a:spAutoFit/>
-          </a:bodyPr>
-          <a:lstStyle/>
-          <a:p>
-            <a:r>
-              <a:rPr lang="da-DK" sz="1600" dirty="0"/>
-              <a:t>5 September 2022</a:t>
-            </a:r>
-          </a:p>
-        </p:txBody>
-      </p:sp>
     </p:spTree>
     <p:extLst>
       <p:ext uri="{BB962C8B-B14F-4D97-AF65-F5344CB8AC3E}">
@@ -18929,19 +18928,19 @@
 </file>
 
 <file path=customXml/item10.xml><?xml version="1.0" encoding="utf-8"?>
+<TemplafySlideTemplateConfiguration><![CDATA[{"documentContentValidatorConfiguration":{"enableDocumentContentValidator":false,"documentContentValidatorVersion":0},"elementsMetadata":[],"slideId":"636891895634292863","enableDocumentContentUpdater":true,"version":"1.3"}]]></TemplafySlideTemplateConfiguration>
+</file>
+
+<file path=customXml/item11.xml><?xml version="1.0" encoding="utf-8"?>
 <TemplafySlideFormConfiguration><![CDATA[{"formFields":[],"formDataEntries":[]}]]></TemplafySlideFormConfiguration>
 </file>
 
-<file path=customXml/item11.xml><?xml version="1.0" encoding="utf-8"?>
-<TemplafyFormConfiguration><![CDATA[{"formFields":[{"required":false,"helpTexts":{"prefix":"","postfix":""},"spacing":{},"type":"datePicker","name":"Date","label":"Date","fullyQualifiedName":"Date"}],"formDataEntries":[{"name":"Date","value":"8htOAZrtBkYeKQuFdR2Q0A=="}]}]]></TemplafyFormConfiguration>
-</file>
-
 <file path=customXml/item12.xml><?xml version="1.0" encoding="utf-8"?>
-<TemplafySlideTemplateConfiguration><![CDATA[{"documentContentValidatorConfiguration":{"enableDocumentContentValidator":false,"documentContentValidatorVersion":0},"elementsMetadata":[],"slideId":"636891895634292863","enableDocumentContentUpdater":true,"version":"1.3"}]]></TemplafySlideTemplateConfiguration>
+<TemplafySlideFormConfiguration><![CDATA[{"formFields":[],"formDataEntries":[]}]]></TemplafySlideFormConfiguration>
 </file>
 
 <file path=customXml/item13.xml><?xml version="1.0" encoding="utf-8"?>
-<TemplafySlideTemplateConfiguration><![CDATA[{"documentContentValidatorConfiguration":{"enableDocumentContentValidator":false,"documentContentValidatorVersion":0},"elementsMetadata":[],"slideId":"636891895634292863","enableDocumentContentUpdater":true,"version":"1.3"}]]></TemplafySlideTemplateConfiguration>
+<TemplafySlideFormConfiguration><![CDATA[{"formFields":[],"formDataEntries":[]}]]></TemplafySlideFormConfiguration>
 </file>
 
 <file path=customXml/item14.xml><?xml version="1.0" encoding="utf-8"?>
@@ -18949,117 +18948,117 @@
 </file>
 
 <file path=customXml/item2.xml><?xml version="1.0" encoding="utf-8"?>
+<TemplafyFormConfiguration><![CDATA[{"formFields":[{"required":false,"helpTexts":{"prefix":"","postfix":""},"spacing":{},"type":"datePicker","name":"Date","label":"Date","fullyQualifiedName":"Date"}],"formDataEntries":[{"name":"Date","value":"8htOAZrtBkYeKQuFdR2Q0A=="}]}]]></TemplafyFormConfiguration>
+</file>
+
+<file path=customXml/item3.xml><?xml version="1.0" encoding="utf-8"?>
+<TemplafySlideTemplateConfiguration><![CDATA[{"documentContentValidatorConfiguration":{"enableDocumentContentValidator":false,"documentContentValidatorVersion":0},"elementsMetadata":[],"slideId":"636891895634292863","enableDocumentContentUpdater":true,"version":"1.3"}]]></TemplafySlideTemplateConfiguration>
+</file>
+
+<file path=customXml/item4.xml><?xml version="1.0" encoding="utf-8"?>
+<TemplafyTemplateConfiguration><![CDATA[{"elementsMetadata":[{"type":"shape","id":"cd9741c8-8789-4c25-acf2-07e462de9c42","elementConfiguration":{"format":"{{DateFormats.MonthYear}}","binding":"Form.Date","disableUpdates":false,"type":"date"}},{"type":"shape","id":"8c7c9c3c-6f56-411a-89c2-4779e9849385","elementConfiguration":{"binding":"UserProfile.Institut.InstituteDCU_{{DocumentLanguage}}","disableUpdates":false,"type":"text"}},{"type":"shape","id":"92df3218-2473-47f4-9860-43a98e4e250c","elementConfiguration":{"binding":"UserProfile.Institut.InstituteDCU_{{DocumentLanguage}}","disableUpdates":false,"type":"text"}},{"type":"shape","id":"b346f40c-f13c-4a58-820b-5140e4ebe935","elementConfiguration":{"format":"{{DateFormats.MonthYear}}","binding":"Form.Date","disableUpdates":false,"type":"date"}},{"type":"shape","id":"35bf690c-838b-4fd7-85cd-cb0fbdb4c8c2","elementConfiguration":{"binding":"UserProfile.Institut.InstituteDCU_{{DocumentLanguage}}","disableUpdates":false,"type":"text"}},{"type":"shape","id":"909b52da-edda-4361-a03a-5e8d32a9e95b","elementConfiguration":{"format":"{{DateFormats.MonthYear}}","binding":"Form.Date","disableUpdates":false,"type":"date"}},{"type":"shape","id":"b7e5f2a0-79b4-4df1-9927-b970af9eddbc","elementConfiguration":{"binding":"UserProfile.Institut.InstituteDCU_{{DocumentLanguage}}","disableUpdates":false,"type":"text"}},{"type":"shape","id":"03113827-e04d-43e1-84ca-7889c6030572","elementConfiguration":{"format":"{{DateFormats.MonthYear}}","binding":"Form.Date","disableUpdates":false,"type":"date"}},{"type":"shape","id":"f084c6c0-5e85-4951-acfe-94e4f2b8e005","elementConfiguration":{"format":"{{DateFormats.MonthYear}}","binding":"Form.Date","disableUpdates":false,"type":"date"}},{"type":"shape","id":"92ae4fbc-84fa-413a-80b0-e47c00552c60","elementConfiguration":{"binding":"UserProfile.Institut.InstituteDCU_{{DocumentLanguage}}","disableUpdates":false,"type":"text"}},{"type":"shape","id":"10cdd606-091a-4f48-a446-41b2aa1aab67","elementConfiguration":{"binding":"UserProfile.Institut.InstituteDCU_{{DocumentLanguage}}","disableUpdates":false,"type":"text"}},{"type":"shape","id":"cec31f44-2b9b-4ebf-bef4-bf4db7bb7df1","elementConfiguration":{"binding":"UserProfile.Institut.InstituteDCU_{{DocumentLanguage}}","disableUpdates":false,"type":"text"}},{"type":"shape","id":"3953907f-4fb2-4af6-8b51-26ec4cce2240","elementConfiguration":{"format":"{{DateFormats.MonthYear}}","binding":"Form.Date","disableUpdates":false,"type":"date"}}],"transformationConfigurations":[{"language":"{{DocumentLanguage}}","disableUpdates":false,"type":"proofingLanguage"}],"templateName":"","templateDescription":"","enableDocumentContentUpdater":true,"version":"1.3"}]]></TemplafyTemplateConfiguration>
+</file>
+
+<file path=customXml/item5.xml><?xml version="1.0" encoding="utf-8"?>
+<TemplafySlideTemplateConfiguration><![CDATA[{"documentContentValidatorConfiguration":{"enableDocumentContentValidator":false,"documentContentValidatorVersion":0},"elementsMetadata":[],"slideId":"636891895634292863","enableDocumentContentUpdater":true,"version":"1.3"}]]></TemplafySlideTemplateConfiguration>
+</file>
+
+<file path=customXml/item6.xml><?xml version="1.0" encoding="utf-8"?>
 <TemplafySlideFormConfiguration><![CDATA[{"formFields":[],"formDataEntries":[]}]]></TemplafySlideFormConfiguration>
 </file>
 
-<file path=customXml/item3.xml><?xml version="1.0" encoding="utf-8"?>
+<file path=customXml/item7.xml><?xml version="1.0" encoding="utf-8"?>
+<TemplafySlideTemplateConfiguration><![CDATA[{"documentContentValidatorConfiguration":{"enableDocumentContentValidator":false,"documentContentValidatorVersion":0},"elementsMetadata":[],"slideId":"636891895634292863","enableDocumentContentUpdater":true,"version":"1.3"}]]></TemplafySlideTemplateConfiguration>
+</file>
+
+<file path=customXml/item8.xml><?xml version="1.0" encoding="utf-8"?>
 <TemplafySlideTemplateConfiguration><![CDATA[{"documentContentValidatorConfiguration":{"enableDocumentContentValidator":false,"documentContentValidatorVersion":0},"elementsMetadata":[],"slideId":"636891895634292862","enableDocumentContentUpdater":true,"version":"1.3"}]]></TemplafySlideTemplateConfiguration>
 </file>
 
-<file path=customXml/item4.xml><?xml version="1.0" encoding="utf-8"?>
-<TemplafySlideTemplateConfiguration><![CDATA[{"documentContentValidatorConfiguration":{"enableDocumentContentValidator":false,"documentContentValidatorVersion":0},"elementsMetadata":[],"slideId":"636891895634292863","enableDocumentContentUpdater":true,"version":"1.3"}]]></TemplafySlideTemplateConfiguration>
-</file>
-
-<file path=customXml/item5.xml><?xml version="1.0" encoding="utf-8"?>
+<file path=customXml/item9.xml><?xml version="1.0" encoding="utf-8"?>
 <TemplafySlideFormConfiguration><![CDATA[{"formFields":[],"formDataEntries":[]}]]></TemplafySlideFormConfiguration>
 </file>
 
-<file path=customXml/item6.xml><?xml version="1.0" encoding="utf-8"?>
-<TemplafyTemplateConfiguration><![CDATA[{"elementsMetadata":[{"type":"shape","id":"cd9741c8-8789-4c25-acf2-07e462de9c42","elementConfiguration":{"format":"{{DateFormats.MonthYear}}","binding":"Form.Date","disableUpdates":false,"type":"date"}},{"type":"shape","id":"8c7c9c3c-6f56-411a-89c2-4779e9849385","elementConfiguration":{"binding":"UserProfile.Institut.InstituteDCU_{{DocumentLanguage}}","disableUpdates":false,"type":"text"}},{"type":"shape","id":"92df3218-2473-47f4-9860-43a98e4e250c","elementConfiguration":{"binding":"UserProfile.Institut.InstituteDCU_{{DocumentLanguage}}","disableUpdates":false,"type":"text"}},{"type":"shape","id":"b346f40c-f13c-4a58-820b-5140e4ebe935","elementConfiguration":{"format":"{{DateFormats.MonthYear}}","binding":"Form.Date","disableUpdates":false,"type":"date"}},{"type":"shape","id":"35bf690c-838b-4fd7-85cd-cb0fbdb4c8c2","elementConfiguration":{"binding":"UserProfile.Institut.InstituteDCU_{{DocumentLanguage}}","disableUpdates":false,"type":"text"}},{"type":"shape","id":"909b52da-edda-4361-a03a-5e8d32a9e95b","elementConfiguration":{"format":"{{DateFormats.MonthYear}}","binding":"Form.Date","disableUpdates":false,"type":"date"}},{"type":"shape","id":"b7e5f2a0-79b4-4df1-9927-b970af9eddbc","elementConfiguration":{"binding":"UserProfile.Institut.InstituteDCU_{{DocumentLanguage}}","disableUpdates":false,"type":"text"}},{"type":"shape","id":"03113827-e04d-43e1-84ca-7889c6030572","elementConfiguration":{"format":"{{DateFormats.MonthYear}}","binding":"Form.Date","disableUpdates":false,"type":"date"}},{"type":"shape","id":"f084c6c0-5e85-4951-acfe-94e4f2b8e005","elementConfiguration":{"format":"{{DateFormats.MonthYear}}","binding":"Form.Date","disableUpdates":false,"type":"date"}},{"type":"shape","id":"92ae4fbc-84fa-413a-80b0-e47c00552c60","elementConfiguration":{"binding":"UserProfile.Institut.InstituteDCU_{{DocumentLanguage}}","disableUpdates":false,"type":"text"}},{"type":"shape","id":"10cdd606-091a-4f48-a446-41b2aa1aab67","elementConfiguration":{"binding":"UserProfile.Institut.InstituteDCU_{{DocumentLanguage}}","disableUpdates":false,"type":"text"}},{"type":"shape","id":"cec31f44-2b9b-4ebf-bef4-bf4db7bb7df1","elementConfiguration":{"binding":"UserProfile.Institut.InstituteDCU_{{DocumentLanguage}}","disableUpdates":false,"type":"text"}},{"type":"shape","id":"3953907f-4fb2-4af6-8b51-26ec4cce2240","elementConfiguration":{"format":"{{DateFormats.MonthYear}}","binding":"Form.Date","disableUpdates":false,"type":"date"}}],"transformationConfigurations":[{"language":"{{DocumentLanguage}}","disableUpdates":false,"type":"proofingLanguage"}],"templateName":"","templateDescription":"","enableDocumentContentUpdater":true,"version":"1.3"}]]></TemplafyTemplateConfiguration>
+<file path=customXml/itemProps1.xml><?xml version="1.0" encoding="utf-8"?>
+<ds:datastoreItem xmlns:ds="http://schemas.openxmlformats.org/officeDocument/2006/customXml" ds:itemID="{43723FED-A2E0-415E-8B28-139637BC092B}">
+  <ds:schemaRefs/>
+</ds:datastoreItem>
 </file>
 
-<file path=customXml/item7.xml><?xml version="1.0" encoding="utf-8"?>
-<TemplafySlideFormConfiguration><![CDATA[{"formFields":[],"formDataEntries":[]}]]></TemplafySlideFormConfiguration>
+<file path=customXml/itemProps10.xml><?xml version="1.0" encoding="utf-8"?>
+<ds:datastoreItem xmlns:ds="http://schemas.openxmlformats.org/officeDocument/2006/customXml" ds:itemID="{C4661244-55D4-40CB-87F8-D12D6D1E5278}">
+  <ds:schemaRefs/>
+</ds:datastoreItem>
 </file>
 
-<file path=customXml/item8.xml><?xml version="1.0" encoding="utf-8"?>
-<TemplafySlideFormConfiguration><![CDATA[{"formFields":[],"formDataEntries":[]}]]></TemplafySlideFormConfiguration>
+<file path=customXml/itemProps11.xml><?xml version="1.0" encoding="utf-8"?>
+<ds:datastoreItem xmlns:ds="http://schemas.openxmlformats.org/officeDocument/2006/customXml" ds:itemID="{23A422EE-19EB-460A-8CC2-72292EB01E2F}">
+  <ds:schemaRefs/>
+</ds:datastoreItem>
 </file>
 
-<file path=customXml/item9.xml><?xml version="1.0" encoding="utf-8"?>
-<TemplafySlideTemplateConfiguration><![CDATA[{"documentContentValidatorConfiguration":{"enableDocumentContentValidator":false,"documentContentValidatorVersion":0},"elementsMetadata":[],"slideId":"636891895634292863","enableDocumentContentUpdater":true,"version":"1.3"}]]></TemplafySlideTemplateConfiguration>
+<file path=customXml/itemProps12.xml><?xml version="1.0" encoding="utf-8"?>
+<ds:datastoreItem xmlns:ds="http://schemas.openxmlformats.org/officeDocument/2006/customXml" ds:itemID="{8CA70B28-CACC-45C6-8E39-ED02582859E9}">
+  <ds:schemaRefs/>
+</ds:datastoreItem>
 </file>
 
-<file path=customXml/itemProps1.xml><?xml version="1.0" encoding="utf-8"?>
+<file path=customXml/itemProps13.xml><?xml version="1.0" encoding="utf-8"?>
+<ds:datastoreItem xmlns:ds="http://schemas.openxmlformats.org/officeDocument/2006/customXml" ds:itemID="{38B69043-C0D1-4478-8C3C-F54850531D8E}">
+  <ds:schemaRefs/>
+</ds:datastoreItem>
+</file>
+
+<file path=customXml/itemProps14.xml><?xml version="1.0" encoding="utf-8"?>
+<ds:datastoreItem xmlns:ds="http://schemas.openxmlformats.org/officeDocument/2006/customXml" ds:itemID="{A078B4FF-09BD-41CC-9B29-FE1B7D89E18C}">
+  <ds:schemaRefs/>
+</ds:datastoreItem>
+</file>
+
+<file path=customXml/itemProps2.xml><?xml version="1.0" encoding="utf-8"?>
+<ds:datastoreItem xmlns:ds="http://schemas.openxmlformats.org/officeDocument/2006/customXml" ds:itemID="{C5CD5A01-6378-494D-B71B-D23DEC9A120C}">
+  <ds:schemaRefs/>
+</ds:datastoreItem>
+</file>
+
+<file path=customXml/itemProps3.xml><?xml version="1.0" encoding="utf-8"?>
+<ds:datastoreItem xmlns:ds="http://schemas.openxmlformats.org/officeDocument/2006/customXml" ds:itemID="{C83BBD83-B3C3-47BA-B125-6A2A1A31FA48}">
+  <ds:schemaRefs/>
+</ds:datastoreItem>
+</file>
+
+<file path=customXml/itemProps4.xml><?xml version="1.0" encoding="utf-8"?>
+<ds:datastoreItem xmlns:ds="http://schemas.openxmlformats.org/officeDocument/2006/customXml" ds:itemID="{C484C70F-0F64-4774-853F-19FDF7E1F81D}">
+  <ds:schemaRefs/>
+</ds:datastoreItem>
+</file>
+
+<file path=customXml/itemProps5.xml><?xml version="1.0" encoding="utf-8"?>
+<ds:datastoreItem xmlns:ds="http://schemas.openxmlformats.org/officeDocument/2006/customXml" ds:itemID="{06CE3761-89D3-4A8E-8EB2-9214574F9FD3}">
+  <ds:schemaRefs/>
+</ds:datastoreItem>
+</file>
+
+<file path=customXml/itemProps6.xml><?xml version="1.0" encoding="utf-8"?>
 <ds:datastoreItem xmlns:ds="http://schemas.openxmlformats.org/officeDocument/2006/customXml" ds:itemID="{A57C0D19-358B-4753-8DA4-9204CEA2F95F}">
   <ds:schemaRefs/>
 </ds:datastoreItem>
 </file>
 
-<file path=customXml/itemProps10.xml><?xml version="1.0" encoding="utf-8"?>
-<ds:datastoreItem xmlns:ds="http://schemas.openxmlformats.org/officeDocument/2006/customXml" ds:itemID="{923BA519-6502-4EA6-B0FB-C867A3D8FB98}">
+<file path=customXml/itemProps7.xml><?xml version="1.0" encoding="utf-8"?>
+<ds:datastoreItem xmlns:ds="http://schemas.openxmlformats.org/officeDocument/2006/customXml" ds:itemID="{D4D35282-BEDA-429D-9192-ACF771B29A85}">
   <ds:schemaRefs/>
 </ds:datastoreItem>
 </file>
 
-<file path=customXml/itemProps11.xml><?xml version="1.0" encoding="utf-8"?>
-<ds:datastoreItem xmlns:ds="http://schemas.openxmlformats.org/officeDocument/2006/customXml" ds:itemID="{C5CD5A01-6378-494D-B71B-D23DEC9A120C}">
-  <ds:schemaRefs/>
-</ds:datastoreItem>
-</file>
-
-<file path=customXml/itemProps12.xml><?xml version="1.0" encoding="utf-8"?>
-<ds:datastoreItem xmlns:ds="http://schemas.openxmlformats.org/officeDocument/2006/customXml" ds:itemID="{A078B4FF-09BD-41CC-9B29-FE1B7D89E18C}">
-  <ds:schemaRefs/>
-</ds:datastoreItem>
-</file>
-
-<file path=customXml/itemProps13.xml><?xml version="1.0" encoding="utf-8"?>
-<ds:datastoreItem xmlns:ds="http://schemas.openxmlformats.org/officeDocument/2006/customXml" ds:itemID="{C4661244-55D4-40CB-87F8-D12D6D1E5278}">
-  <ds:schemaRefs/>
-</ds:datastoreItem>
-</file>
-
-<file path=customXml/itemProps14.xml><?xml version="1.0" encoding="utf-8"?>
-<ds:datastoreItem xmlns:ds="http://schemas.openxmlformats.org/officeDocument/2006/customXml" ds:itemID="{C83BBD83-B3C3-47BA-B125-6A2A1A31FA48}">
-  <ds:schemaRefs/>
-</ds:datastoreItem>
-</file>
-
-<file path=customXml/itemProps2.xml><?xml version="1.0" encoding="utf-8"?>
-<ds:datastoreItem xmlns:ds="http://schemas.openxmlformats.org/officeDocument/2006/customXml" ds:itemID="{23A422EE-19EB-460A-8CC2-72292EB01E2F}">
-  <ds:schemaRefs/>
-</ds:datastoreItem>
-</file>
-
-<file path=customXml/itemProps3.xml><?xml version="1.0" encoding="utf-8"?>
+<file path=customXml/itemProps8.xml><?xml version="1.0" encoding="utf-8"?>
 <ds:datastoreItem xmlns:ds="http://schemas.openxmlformats.org/officeDocument/2006/customXml" ds:itemID="{80A386E5-FB57-411F-ACEC-E4C4608EF981}">
   <ds:schemaRefs/>
 </ds:datastoreItem>
 </file>
 
-<file path=customXml/itemProps4.xml><?xml version="1.0" encoding="utf-8"?>
-<ds:datastoreItem xmlns:ds="http://schemas.openxmlformats.org/officeDocument/2006/customXml" ds:itemID="{D4D35282-BEDA-429D-9192-ACF771B29A85}">
-  <ds:schemaRefs/>
-</ds:datastoreItem>
-</file>
-
-<file path=customXml/itemProps5.xml><?xml version="1.0" encoding="utf-8"?>
-<ds:datastoreItem xmlns:ds="http://schemas.openxmlformats.org/officeDocument/2006/customXml" ds:itemID="{8CA70B28-CACC-45C6-8E39-ED02582859E9}">
-  <ds:schemaRefs/>
-</ds:datastoreItem>
-</file>
-
-<file path=customXml/itemProps6.xml><?xml version="1.0" encoding="utf-8"?>
-<ds:datastoreItem xmlns:ds="http://schemas.openxmlformats.org/officeDocument/2006/customXml" ds:itemID="{C484C70F-0F64-4774-853F-19FDF7E1F81D}">
-  <ds:schemaRefs/>
-</ds:datastoreItem>
-</file>
-
-<file path=customXml/itemProps7.xml><?xml version="1.0" encoding="utf-8"?>
-<ds:datastoreItem xmlns:ds="http://schemas.openxmlformats.org/officeDocument/2006/customXml" ds:itemID="{43723FED-A2E0-415E-8B28-139637BC092B}">
-  <ds:schemaRefs/>
-</ds:datastoreItem>
-</file>
-
-<file path=customXml/itemProps8.xml><?xml version="1.0" encoding="utf-8"?>
-<ds:datastoreItem xmlns:ds="http://schemas.openxmlformats.org/officeDocument/2006/customXml" ds:itemID="{38B69043-C0D1-4478-8C3C-F54850531D8E}">
-  <ds:schemaRefs/>
-</ds:datastoreItem>
-</file>
-
 <file path=customXml/itemProps9.xml><?xml version="1.0" encoding="utf-8"?>
-<ds:datastoreItem xmlns:ds="http://schemas.openxmlformats.org/officeDocument/2006/customXml" ds:itemID="{06CE3761-89D3-4A8E-8EB2-9214574F9FD3}">
+<ds:datastoreItem xmlns:ds="http://schemas.openxmlformats.org/officeDocument/2006/customXml" ds:itemID="{923BA519-6502-4EA6-B0FB-C867A3D8FB98}">
   <ds:schemaRefs/>
 </ds:datastoreItem>
 </file>